--- a/ANN Presentation.pptx
+++ b/ANN Presentation.pptx
@@ -6,12 +6,11 @@
   </p:sldMasterIdLst>
   <p:sldIdLst>
     <p:sldId id="263" r:id="rId2"/>
-    <p:sldId id="257" r:id="rId3"/>
-    <p:sldId id="256" r:id="rId4"/>
-    <p:sldId id="264" r:id="rId5"/>
-    <p:sldId id="262" r:id="rId6"/>
-    <p:sldId id="258" r:id="rId7"/>
-    <p:sldId id="259" r:id="rId8"/>
+    <p:sldId id="265" r:id="rId3"/>
+    <p:sldId id="257" r:id="rId4"/>
+    <p:sldId id="256" r:id="rId5"/>
+    <p:sldId id="264" r:id="rId6"/>
+    <p:sldId id="259" r:id="rId7"/>
   </p:sldIdLst>
   <p:sldSz cx="12192000" cy="6858000"/>
   <p:notesSz cx="6858000" cy="9144000"/>
@@ -3822,6 +3821,105 @@
           <p:cNvPr id="2" name="Title 1">
             <a:extLst>
               <a:ext uri="{FF2B5EF4-FFF2-40B4-BE49-F238E27FC236}">
+                <a16:creationId xmlns:a16="http://schemas.microsoft.com/office/drawing/2014/main" id="{9F908F62-7125-A942-AC38-8CDCB6EDA9C5}"/>
+              </a:ext>
+            </a:extLst>
+          </p:cNvPr>
+          <p:cNvSpPr>
+            <a:spLocks noGrp="1"/>
+          </p:cNvSpPr>
+          <p:nvPr>
+            <p:ph type="title"/>
+          </p:nvPr>
+        </p:nvSpPr>
+        <p:spPr>
+          <a:xfrm>
+            <a:off x="838200" y="365125"/>
+            <a:ext cx="10515600" cy="1105329"/>
+          </a:xfrm>
+        </p:spPr>
+        <p:txBody>
+          <a:bodyPr/>
+          <a:lstStyle/>
+          <a:p>
+            <a:r>
+              <a:rPr lang="en-US" dirty="0"/>
+              <a:t>ANN Flow Chart</a:t>
+            </a:r>
+          </a:p>
+        </p:txBody>
+      </p:sp>
+      <p:pic>
+        <p:nvPicPr>
+          <p:cNvPr id="4" name="Content Placeholder 5" descr="Diagram&#10;&#10;Description automatically generated">
+            <a:extLst>
+              <a:ext uri="{FF2B5EF4-FFF2-40B4-BE49-F238E27FC236}">
+                <a16:creationId xmlns:a16="http://schemas.microsoft.com/office/drawing/2014/main" id="{43C6B961-C5D5-5B44-8829-A1F061E1BB7B}"/>
+              </a:ext>
+            </a:extLst>
+          </p:cNvPr>
+          <p:cNvPicPr>
+            <a:picLocks noChangeAspect="1"/>
+          </p:cNvPicPr>
+          <p:nvPr/>
+        </p:nvPicPr>
+        <p:blipFill>
+          <a:blip r:embed="rId2">
+            <a:extLst>
+              <a:ext uri="{28A0092B-C50C-407E-A947-70E740481C1C}">
+                <a14:useLocalDpi xmlns:a14="http://schemas.microsoft.com/office/drawing/2010/main" val="0"/>
+              </a:ext>
+            </a:extLst>
+          </a:blip>
+          <a:stretch>
+            <a:fillRect/>
+          </a:stretch>
+        </p:blipFill>
+        <p:spPr>
+          <a:xfrm>
+            <a:off x="2421924" y="1281096"/>
+            <a:ext cx="5828226" cy="5152139"/>
+          </a:xfrm>
+          <a:prstGeom prst="rect">
+            <a:avLst/>
+          </a:prstGeom>
+        </p:spPr>
+      </p:pic>
+    </p:spTree>
+    <p:extLst>
+      <p:ext uri="{BB962C8B-B14F-4D97-AF65-F5344CB8AC3E}">
+        <p14:creationId xmlns:p14="http://schemas.microsoft.com/office/powerpoint/2010/main" val="6922679"/>
+      </p:ext>
+    </p:extLst>
+  </p:cSld>
+  <p:clrMapOvr>
+    <a:masterClrMapping/>
+  </p:clrMapOvr>
+</p:sld>
+</file>
+
+<file path=ppt/slides/slide3.xml><?xml version="1.0" encoding="utf-8"?>
+<p:sld xmlns:a="http://schemas.openxmlformats.org/drawingml/2006/main" xmlns:r="http://schemas.openxmlformats.org/officeDocument/2006/relationships" xmlns:p="http://schemas.openxmlformats.org/presentationml/2006/main">
+  <p:cSld>
+    <p:spTree>
+      <p:nvGrpSpPr>
+        <p:cNvPr id="1" name=""/>
+        <p:cNvGrpSpPr/>
+        <p:nvPr/>
+      </p:nvGrpSpPr>
+      <p:grpSpPr>
+        <a:xfrm>
+          <a:off x="0" y="0"/>
+          <a:ext cx="0" cy="0"/>
+          <a:chOff x="0" y="0"/>
+          <a:chExt cx="0" cy="0"/>
+        </a:xfrm>
+      </p:grpSpPr>
+      <p:sp>
+        <p:nvSpPr>
+          <p:cNvPr id="2" name="Title 1">
+            <a:extLst>
+              <a:ext uri="{FF2B5EF4-FFF2-40B4-BE49-F238E27FC236}">
                 <a16:creationId xmlns:a16="http://schemas.microsoft.com/office/drawing/2014/main" id="{92FC3D45-F911-478B-AB4E-EF6B2375C52E}"/>
               </a:ext>
             </a:extLst>
@@ -3833,14 +3931,21 @@
             <p:ph type="title"/>
           </p:nvPr>
         </p:nvSpPr>
-        <p:spPr/>
-        <p:txBody>
-          <a:bodyPr/>
-          <a:lstStyle/>
-          <a:p>
-            <a:r>
-              <a:rPr lang="en-IN" dirty="0"/>
-              <a:t>Visualization -  Representation of Data:</a:t>
+        <p:spPr>
+          <a:xfrm>
+            <a:off x="838200" y="365125"/>
+            <a:ext cx="7669696" cy="993913"/>
+          </a:xfrm>
+        </p:spPr>
+        <p:txBody>
+          <a:bodyPr>
+            <a:noAutofit/>
+          </a:bodyPr>
+          <a:lstStyle/>
+          <a:p>
+            <a:r>
+              <a:rPr lang="en-IN" sz="3600" dirty="0"/>
+              <a:t>Visualization -  Representation of Data</a:t>
             </a:r>
           </a:p>
         </p:txBody>
@@ -4126,7 +4231,7 @@
 </p:sld>
 </file>
 
-<file path=ppt/slides/slide3.xml><?xml version="1.0" encoding="utf-8"?>
+<file path=ppt/slides/slide4.xml><?xml version="1.0" encoding="utf-8"?>
 <p:sld xmlns:a="http://schemas.openxmlformats.org/drawingml/2006/main" xmlns:r="http://schemas.openxmlformats.org/officeDocument/2006/relationships" xmlns:p="http://schemas.openxmlformats.org/presentationml/2006/main">
   <p:cSld>
     <p:spTree>
@@ -4165,8 +4270,8 @@
         </p:blipFill>
         <p:spPr>
           <a:xfrm>
-            <a:off x="113471" y="537894"/>
-            <a:ext cx="10342494" cy="5261794"/>
+            <a:off x="380143" y="754749"/>
+            <a:ext cx="10116917" cy="5017122"/>
           </a:xfrm>
           <a:prstGeom prst="rect">
             <a:avLst/>
@@ -4187,7 +4292,7 @@
         </p:nvSpPr>
         <p:spPr>
           <a:xfrm>
-            <a:off x="3313042" y="5619666"/>
+            <a:off x="3313042" y="5742954"/>
             <a:ext cx="3339548" cy="830997"/>
           </a:xfrm>
           <a:prstGeom prst="rect">
@@ -4240,7 +4345,7 @@
         </p:nvSpPr>
         <p:spPr>
           <a:xfrm flipV="1">
-            <a:off x="4280453" y="5675859"/>
+            <a:off x="4280453" y="5799147"/>
             <a:ext cx="92764" cy="153772"/>
           </a:xfrm>
           <a:prstGeom prst="ellipse">
@@ -4287,7 +4392,7 @@
         </p:nvSpPr>
         <p:spPr>
           <a:xfrm>
-            <a:off x="4280453" y="5826192"/>
+            <a:off x="4280453" y="5949480"/>
             <a:ext cx="92764" cy="153771"/>
           </a:xfrm>
           <a:prstGeom prst="ellipse">
@@ -4333,7 +4438,7 @@
         </p:nvSpPr>
         <p:spPr>
           <a:xfrm>
-            <a:off x="4287081" y="6048290"/>
+            <a:off x="4287081" y="6171578"/>
             <a:ext cx="92764" cy="153771"/>
           </a:xfrm>
           <a:prstGeom prst="ellipse">
@@ -4380,7 +4485,7 @@
         </p:nvSpPr>
         <p:spPr>
           <a:xfrm>
-            <a:off x="4287081" y="6215313"/>
+            <a:off x="4287081" y="6338601"/>
             <a:ext cx="86136" cy="153771"/>
           </a:xfrm>
           <a:prstGeom prst="ellipse">
@@ -4429,8 +4534,8 @@
         </p:nvSpPr>
         <p:spPr>
           <a:xfrm>
-            <a:off x="1152939" y="145774"/>
-            <a:ext cx="7209183" cy="646331"/>
+            <a:off x="1152939" y="207418"/>
+            <a:ext cx="8463672" cy="646331"/>
           </a:xfrm>
           <a:prstGeom prst="rect">
             <a:avLst/>
@@ -4445,7 +4550,13 @@
           <a:p>
             <a:r>
               <a:rPr lang="en-IN" dirty="0"/>
-              <a:t>Parameters considered to check for the original/fake bank note, Below graph shows the individual parameter impacts on original/fake bank note</a:t>
+              <a:t>Parameters considered to check for the original/fake bank note, </a:t>
+            </a:r>
+          </a:p>
+          <a:p>
+            <a:r>
+              <a:rPr lang="en-IN" dirty="0"/>
+              <a:t>The following graph shows the individual parameter, impacts on original/fake bank note</a:t>
             </a:r>
           </a:p>
         </p:txBody>
@@ -4454,506 +4565,6 @@
     <p:extLst>
       <p:ext uri="{BB962C8B-B14F-4D97-AF65-F5344CB8AC3E}">
         <p14:creationId xmlns:p14="http://schemas.microsoft.com/office/powerpoint/2010/main" val="3825132487"/>
-      </p:ext>
-    </p:extLst>
-  </p:cSld>
-  <p:clrMapOvr>
-    <a:masterClrMapping/>
-  </p:clrMapOvr>
-</p:sld>
-</file>
-
-<file path=ppt/slides/slide4.xml><?xml version="1.0" encoding="utf-8"?>
-<p:sld xmlns:a="http://schemas.openxmlformats.org/drawingml/2006/main" xmlns:r="http://schemas.openxmlformats.org/officeDocument/2006/relationships" xmlns:p="http://schemas.openxmlformats.org/presentationml/2006/main">
-  <p:cSld>
-    <p:spTree>
-      <p:nvGrpSpPr>
-        <p:cNvPr id="1" name=""/>
-        <p:cNvGrpSpPr/>
-        <p:nvPr/>
-      </p:nvGrpSpPr>
-      <p:grpSpPr>
-        <a:xfrm>
-          <a:off x="0" y="0"/>
-          <a:ext cx="0" cy="0"/>
-          <a:chOff x="0" y="0"/>
-          <a:chExt cx="0" cy="0"/>
-        </a:xfrm>
-      </p:grpSpPr>
-      <p:sp>
-        <p:nvSpPr>
-          <p:cNvPr id="2" name="Title 1">
-            <a:extLst>
-              <a:ext uri="{FF2B5EF4-FFF2-40B4-BE49-F238E27FC236}">
-                <a16:creationId xmlns:a16="http://schemas.microsoft.com/office/drawing/2014/main" id="{E3FAFFFF-D1B3-F64D-A375-6A2C3E6FC546}"/>
-              </a:ext>
-            </a:extLst>
-          </p:cNvPr>
-          <p:cNvSpPr>
-            <a:spLocks noGrp="1"/>
-          </p:cNvSpPr>
-          <p:nvPr>
-            <p:ph type="title"/>
-          </p:nvPr>
-        </p:nvSpPr>
-        <p:spPr>
-          <a:xfrm>
-            <a:off x="838200" y="365126"/>
-            <a:ext cx="10515600" cy="723936"/>
-          </a:xfrm>
-        </p:spPr>
-        <p:txBody>
-          <a:bodyPr/>
-          <a:lstStyle/>
-          <a:p>
-            <a:r>
-              <a:rPr lang="en-US" dirty="0"/>
-              <a:t>Working Output</a:t>
-            </a:r>
-          </a:p>
-        </p:txBody>
-      </p:sp>
-      <p:sp>
-        <p:nvSpPr>
-          <p:cNvPr id="3" name="Content Placeholder 2">
-            <a:extLst>
-              <a:ext uri="{FF2B5EF4-FFF2-40B4-BE49-F238E27FC236}">
-                <a16:creationId xmlns:a16="http://schemas.microsoft.com/office/drawing/2014/main" id="{EB15CD3F-2D67-E94D-9EF6-C67B8CFC0E05}"/>
-              </a:ext>
-            </a:extLst>
-          </p:cNvPr>
-          <p:cNvSpPr>
-            <a:spLocks noGrp="1"/>
-          </p:cNvSpPr>
-          <p:nvPr>
-            <p:ph idx="1"/>
-          </p:nvPr>
-        </p:nvSpPr>
-        <p:spPr>
-          <a:xfrm>
-            <a:off x="838200" y="1383838"/>
-            <a:ext cx="10515600" cy="4351338"/>
-          </a:xfrm>
-        </p:spPr>
-        <p:txBody>
-          <a:bodyPr numCol="2">
-            <a:normAutofit fontScale="32500" lnSpcReduction="20000"/>
-          </a:bodyPr>
-          <a:lstStyle/>
-          <a:p>
-            <a:pPr marL="0" indent="0">
-              <a:buNone/>
-            </a:pPr>
-            <a:br>
-              <a:rPr lang="en-IN" b="1" dirty="0">
-                <a:latin typeface="Courier New" panose="02070309020205020404" pitchFamily="49" charset="0"/>
-                <a:cs typeface="Courier New" panose="02070309020205020404" pitchFamily="49" charset="0"/>
-              </a:rPr>
-            </a:br>
-            <a:r>
-              <a:rPr lang="en-IN" b="1" dirty="0">
-                <a:latin typeface="Courier New" panose="02070309020205020404" pitchFamily="49" charset="0"/>
-                <a:cs typeface="Courier New" panose="02070309020205020404" pitchFamily="49" charset="0"/>
-              </a:rPr>
-              <a:t>--- output ---</a:t>
-            </a:r>
-          </a:p>
-          <a:p>
-            <a:pPr marL="0" indent="0">
-              <a:buNone/>
-            </a:pPr>
-            <a:r>
-              <a:rPr lang="en-IN" b="1" dirty="0">
-                <a:latin typeface="Courier New" panose="02070309020205020404" pitchFamily="49" charset="0"/>
-                <a:cs typeface="Courier New" panose="02070309020205020404" pitchFamily="49" charset="0"/>
-              </a:rPr>
-              <a:t># python3 main-4i-1h-1o.py</a:t>
-            </a:r>
-          </a:p>
-          <a:p>
-            <a:pPr marL="0" indent="0">
-              <a:buNone/>
-            </a:pPr>
-            <a:br>
-              <a:rPr lang="en-IN" b="1" dirty="0">
-                <a:latin typeface="Courier New" panose="02070309020205020404" pitchFamily="49" charset="0"/>
-                <a:cs typeface="Courier New" panose="02070309020205020404" pitchFamily="49" charset="0"/>
-              </a:rPr>
-            </a:br>
-            <a:r>
-              <a:rPr lang="en-IN" b="1" dirty="0">
-                <a:latin typeface="Courier New" panose="02070309020205020404" pitchFamily="49" charset="0"/>
-                <a:cs typeface="Courier New" panose="02070309020205020404" pitchFamily="49" charset="0"/>
-              </a:rPr>
-              <a:t>Stage 1) Random starting weights:</a:t>
-            </a:r>
-          </a:p>
-          <a:p>
-            <a:pPr marL="0" indent="0">
-              <a:buNone/>
-            </a:pPr>
-            <a:r>
-              <a:rPr lang="en-IN" b="1" dirty="0">
-                <a:latin typeface="Courier New" panose="02070309020205020404" pitchFamily="49" charset="0"/>
-                <a:cs typeface="Courier New" panose="02070309020205020404" pitchFamily="49" charset="0"/>
-              </a:rPr>
-              <a:t># Layer 1 (4 neurons, each with 4 inputs):</a:t>
-            </a:r>
-          </a:p>
-          <a:p>
-            <a:pPr marL="0" indent="0">
-              <a:buNone/>
-            </a:pPr>
-            <a:r>
-              <a:rPr lang="en-IN" b="1" dirty="0">
-                <a:latin typeface="Courier New" panose="02070309020205020404" pitchFamily="49" charset="0"/>
-                <a:cs typeface="Courier New" panose="02070309020205020404" pitchFamily="49" charset="0"/>
-              </a:rPr>
-              <a:t>[[4.17022005e-01 7.20324493e-01 1.14374817e-04 3.02332573e-01]</a:t>
-            </a:r>
-          </a:p>
-          <a:p>
-            <a:pPr marL="0" indent="0">
-              <a:buNone/>
-            </a:pPr>
-            <a:r>
-              <a:rPr lang="en-IN" b="1" dirty="0">
-                <a:latin typeface="Courier New" panose="02070309020205020404" pitchFamily="49" charset="0"/>
-                <a:cs typeface="Courier New" panose="02070309020205020404" pitchFamily="49" charset="0"/>
-              </a:rPr>
-              <a:t> [1.46755891e-01 9.23385948e-02 1.86260211e-01 3.45560727e-01]</a:t>
-            </a:r>
-          </a:p>
-          <a:p>
-            <a:pPr marL="0" indent="0">
-              <a:buNone/>
-            </a:pPr>
-            <a:r>
-              <a:rPr lang="en-IN" b="1" dirty="0">
-                <a:latin typeface="Courier New" panose="02070309020205020404" pitchFamily="49" charset="0"/>
-                <a:cs typeface="Courier New" panose="02070309020205020404" pitchFamily="49" charset="0"/>
-              </a:rPr>
-              <a:t> [3.96767474e-01 5.38816734e-01 4.19194514e-01 6.85219500e-01]</a:t>
-            </a:r>
-          </a:p>
-          <a:p>
-            <a:pPr marL="0" indent="0">
-              <a:buNone/>
-            </a:pPr>
-            <a:r>
-              <a:rPr lang="en-IN" b="1" dirty="0">
-                <a:latin typeface="Courier New" panose="02070309020205020404" pitchFamily="49" charset="0"/>
-                <a:cs typeface="Courier New" panose="02070309020205020404" pitchFamily="49" charset="0"/>
-              </a:rPr>
-              <a:t> [2.04452250e-01 8.78117436e-01 2.73875932e-02 6.70467510e-01]]</a:t>
-            </a:r>
-          </a:p>
-          <a:p>
-            <a:pPr marL="0" indent="0">
-              <a:buNone/>
-            </a:pPr>
-            <a:r>
-              <a:rPr lang="en-IN" b="1" dirty="0">
-                <a:latin typeface="Courier New" panose="02070309020205020404" pitchFamily="49" charset="0"/>
-                <a:cs typeface="Courier New" panose="02070309020205020404" pitchFamily="49" charset="0"/>
-              </a:rPr>
-              <a:t># Layer 2 (1 neuron, with 4 inputs):</a:t>
-            </a:r>
-          </a:p>
-          <a:p>
-            <a:pPr marL="0" indent="0">
-              <a:buNone/>
-            </a:pPr>
-            <a:r>
-              <a:rPr lang="en-IN" b="1" dirty="0">
-                <a:latin typeface="Courier New" panose="02070309020205020404" pitchFamily="49" charset="0"/>
-                <a:cs typeface="Courier New" panose="02070309020205020404" pitchFamily="49" charset="0"/>
-              </a:rPr>
-              <a:t>[[0.4173048 ]</a:t>
-            </a:r>
-          </a:p>
-          <a:p>
-            <a:pPr marL="0" indent="0">
-              <a:buNone/>
-            </a:pPr>
-            <a:r>
-              <a:rPr lang="en-IN" b="1" dirty="0">
-                <a:latin typeface="Courier New" panose="02070309020205020404" pitchFamily="49" charset="0"/>
-                <a:cs typeface="Courier New" panose="02070309020205020404" pitchFamily="49" charset="0"/>
-              </a:rPr>
-              <a:t> [0.55868983]</a:t>
-            </a:r>
-          </a:p>
-          <a:p>
-            <a:pPr marL="0" indent="0">
-              <a:buNone/>
-            </a:pPr>
-            <a:r>
-              <a:rPr lang="en-IN" b="1" dirty="0">
-                <a:latin typeface="Courier New" panose="02070309020205020404" pitchFamily="49" charset="0"/>
-                <a:cs typeface="Courier New" panose="02070309020205020404" pitchFamily="49" charset="0"/>
-              </a:rPr>
-              <a:t> [0.14038694]</a:t>
-            </a:r>
-          </a:p>
-          <a:p>
-            <a:pPr marL="0" indent="0">
-              <a:buNone/>
-            </a:pPr>
-            <a:r>
-              <a:rPr lang="en-IN" b="1" dirty="0">
-                <a:latin typeface="Courier New" panose="02070309020205020404" pitchFamily="49" charset="0"/>
-                <a:cs typeface="Courier New" panose="02070309020205020404" pitchFamily="49" charset="0"/>
-              </a:rPr>
-              <a:t> [0.19810149]]</a:t>
-            </a:r>
-          </a:p>
-          <a:p>
-            <a:pPr marL="0" indent="0">
-              <a:buNone/>
-            </a:pPr>
-            <a:br>
-              <a:rPr lang="en-IN" b="1" dirty="0">
-                <a:latin typeface="Courier New" panose="02070309020205020404" pitchFamily="49" charset="0"/>
-                <a:cs typeface="Courier New" panose="02070309020205020404" pitchFamily="49" charset="0"/>
-              </a:rPr>
-            </a:br>
-            <a:r>
-              <a:rPr lang="en-IN" b="1" dirty="0">
-                <a:latin typeface="Courier New" panose="02070309020205020404" pitchFamily="49" charset="0"/>
-                <a:cs typeface="Courier New" panose="02070309020205020404" pitchFamily="49" charset="0"/>
-              </a:rPr>
-              <a:t>Stage 2) New weights after training:</a:t>
-            </a:r>
-          </a:p>
-          <a:p>
-            <a:pPr marL="0" indent="0">
-              <a:buNone/>
-            </a:pPr>
-            <a:r>
-              <a:rPr lang="en-IN" b="1" dirty="0">
-                <a:latin typeface="Courier New" panose="02070309020205020404" pitchFamily="49" charset="0"/>
-                <a:cs typeface="Courier New" panose="02070309020205020404" pitchFamily="49" charset="0"/>
-              </a:rPr>
-              <a:t># Layer 1 (4 neurons, each with 4 inputs):</a:t>
-            </a:r>
-          </a:p>
-          <a:p>
-            <a:pPr marL="0" indent="0">
-              <a:buNone/>
-            </a:pPr>
-            <a:r>
-              <a:rPr lang="en-IN" b="1" dirty="0">
-                <a:latin typeface="Courier New" panose="02070309020205020404" pitchFamily="49" charset="0"/>
-                <a:cs typeface="Courier New" panose="02070309020205020404" pitchFamily="49" charset="0"/>
-              </a:rPr>
-              <a:t>[[-0.80882082  0.44127317 -1.95958137  2.30771812]</a:t>
-            </a:r>
-          </a:p>
-          <a:p>
-            <a:pPr marL="0" indent="0">
-              <a:buNone/>
-            </a:pPr>
-            <a:r>
-              <a:rPr lang="en-IN" b="1" dirty="0">
-                <a:latin typeface="Courier New" panose="02070309020205020404" pitchFamily="49" charset="0"/>
-                <a:cs typeface="Courier New" panose="02070309020205020404" pitchFamily="49" charset="0"/>
-              </a:rPr>
-              <a:t> [ 0.20107878 -0.26749924  0.34160953 -0.19752144]</a:t>
-            </a:r>
-          </a:p>
-          <a:p>
-            <a:pPr marL="0" indent="0">
-              <a:buNone/>
-            </a:pPr>
-            <a:r>
-              <a:rPr lang="en-IN" b="1" dirty="0">
-                <a:latin typeface="Courier New" panose="02070309020205020404" pitchFamily="49" charset="0"/>
-                <a:cs typeface="Courier New" panose="02070309020205020404" pitchFamily="49" charset="0"/>
-              </a:rPr>
-              <a:t> [ 0.17624295  0.71150346 -0.08378137  0.32611257]</a:t>
-            </a:r>
-          </a:p>
-          <a:p>
-            <a:pPr marL="0" indent="0">
-              <a:buNone/>
-            </a:pPr>
-            <a:r>
-              <a:rPr lang="en-IN" b="1" dirty="0">
-                <a:latin typeface="Courier New" panose="02070309020205020404" pitchFamily="49" charset="0"/>
-                <a:cs typeface="Courier New" panose="02070309020205020404" pitchFamily="49" charset="0"/>
-              </a:rPr>
-              <a:t> [ 0.29950621  0.95467863  0.59970368 -0.03013834]]</a:t>
-            </a:r>
-          </a:p>
-          <a:p>
-            <a:pPr marL="0" indent="0">
-              <a:buNone/>
-            </a:pPr>
-            <a:r>
-              <a:rPr lang="en-IN" b="1" dirty="0">
-                <a:latin typeface="Courier New" panose="02070309020205020404" pitchFamily="49" charset="0"/>
-                <a:cs typeface="Courier New" panose="02070309020205020404" pitchFamily="49" charset="0"/>
-              </a:rPr>
-              <a:t># Layer 2 (1 neuron, with 4 inputs):</a:t>
-            </a:r>
-          </a:p>
-          <a:p>
-            <a:pPr marL="0" indent="0">
-              <a:buNone/>
-            </a:pPr>
-            <a:r>
-              <a:rPr lang="en-IN" b="1" dirty="0">
-                <a:latin typeface="Courier New" panose="02070309020205020404" pitchFamily="49" charset="0"/>
-                <a:cs typeface="Courier New" panose="02070309020205020404" pitchFamily="49" charset="0"/>
-              </a:rPr>
-              <a:t>[[ 1.07345495]</a:t>
-            </a:r>
-          </a:p>
-          <a:p>
-            <a:pPr marL="0" indent="0">
-              <a:buNone/>
-            </a:pPr>
-            <a:r>
-              <a:rPr lang="en-IN" b="1" dirty="0">
-                <a:latin typeface="Courier New" panose="02070309020205020404" pitchFamily="49" charset="0"/>
-                <a:cs typeface="Courier New" panose="02070309020205020404" pitchFamily="49" charset="0"/>
-              </a:rPr>
-              <a:t> [-0.16503406]</a:t>
-            </a:r>
-          </a:p>
-          <a:p>
-            <a:pPr marL="0" indent="0">
-              <a:buNone/>
-            </a:pPr>
-            <a:r>
-              <a:rPr lang="en-IN" b="1" dirty="0">
-                <a:latin typeface="Courier New" panose="02070309020205020404" pitchFamily="49" charset="0"/>
-                <a:cs typeface="Courier New" panose="02070309020205020404" pitchFamily="49" charset="0"/>
-              </a:rPr>
-              <a:t> [ 3.97252318]</a:t>
-            </a:r>
-          </a:p>
-          <a:p>
-            <a:pPr marL="0" indent="0">
-              <a:buNone/>
-            </a:pPr>
-            <a:r>
-              <a:rPr lang="en-IN" b="1" dirty="0">
-                <a:latin typeface="Courier New" panose="02070309020205020404" pitchFamily="49" charset="0"/>
-                <a:cs typeface="Courier New" panose="02070309020205020404" pitchFamily="49" charset="0"/>
-              </a:rPr>
-              <a:t> [-4.81665941]]</a:t>
-            </a:r>
-          </a:p>
-          <a:p>
-            <a:pPr marL="0" indent="0">
-              <a:buNone/>
-            </a:pPr>
-            <a:br>
-              <a:rPr lang="en-IN" b="1" dirty="0">
-                <a:latin typeface="Courier New" panose="02070309020205020404" pitchFamily="49" charset="0"/>
-                <a:cs typeface="Courier New" panose="02070309020205020404" pitchFamily="49" charset="0"/>
-              </a:rPr>
-            </a:br>
-            <a:endParaRPr lang="en-IN" b="1" dirty="0">
-              <a:latin typeface="Courier New" panose="02070309020205020404" pitchFamily="49" charset="0"/>
-              <a:cs typeface="Courier New" panose="02070309020205020404" pitchFamily="49" charset="0"/>
-            </a:endParaRPr>
-          </a:p>
-          <a:p>
-            <a:pPr marL="0" indent="0">
-              <a:buNone/>
-            </a:pPr>
-            <a:r>
-              <a:rPr lang="en-IN" b="1" dirty="0">
-                <a:latin typeface="Courier New" panose="02070309020205020404" pitchFamily="49" charset="0"/>
-                <a:cs typeface="Courier New" panose="02070309020205020404" pitchFamily="49" charset="0"/>
-              </a:rPr>
-              <a:t>Testing: Expectation O = [1]</a:t>
-            </a:r>
-          </a:p>
-          <a:p>
-            <a:pPr marL="0" indent="0">
-              <a:buNone/>
-            </a:pPr>
-            <a:r>
-              <a:rPr lang="en-IN" b="1" dirty="0">
-                <a:latin typeface="Courier New" panose="02070309020205020404" pitchFamily="49" charset="0"/>
-                <a:cs typeface="Courier New" panose="02070309020205020404" pitchFamily="49" charset="0"/>
-              </a:rPr>
-              <a:t>Input: [-2.4941  3.5447 -1.3721 -2.8483]</a:t>
-            </a:r>
-          </a:p>
-          <a:p>
-            <a:pPr marL="0" indent="0">
-              <a:buNone/>
-            </a:pPr>
-            <a:r>
-              <a:rPr lang="en-IN" b="1" dirty="0">
-                <a:latin typeface="Courier New" panose="02070309020205020404" pitchFamily="49" charset="0"/>
-                <a:cs typeface="Courier New" panose="02070309020205020404" pitchFamily="49" charset="0"/>
-              </a:rPr>
-              <a:t>Output: [0.99201085]</a:t>
-            </a:r>
-          </a:p>
-          <a:p>
-            <a:pPr marL="0" indent="0">
-              <a:buNone/>
-            </a:pPr>
-            <a:br>
-              <a:rPr lang="en-IN" b="1" dirty="0">
-                <a:latin typeface="Courier New" panose="02070309020205020404" pitchFamily="49" charset="0"/>
-                <a:cs typeface="Courier New" panose="02070309020205020404" pitchFamily="49" charset="0"/>
-              </a:rPr>
-            </a:br>
-            <a:endParaRPr lang="en-IN" b="1" dirty="0">
-              <a:latin typeface="Courier New" panose="02070309020205020404" pitchFamily="49" charset="0"/>
-              <a:cs typeface="Courier New" panose="02070309020205020404" pitchFamily="49" charset="0"/>
-            </a:endParaRPr>
-          </a:p>
-          <a:p>
-            <a:pPr marL="0" indent="0">
-              <a:buNone/>
-            </a:pPr>
-            <a:r>
-              <a:rPr lang="en-IN" b="1" dirty="0">
-                <a:latin typeface="Courier New" panose="02070309020205020404" pitchFamily="49" charset="0"/>
-                <a:cs typeface="Courier New" panose="02070309020205020404" pitchFamily="49" charset="0"/>
-              </a:rPr>
-              <a:t>Testing: Expectation O = [0]</a:t>
-            </a:r>
-          </a:p>
-          <a:p>
-            <a:pPr marL="0" indent="0">
-              <a:buNone/>
-            </a:pPr>
-            <a:r>
-              <a:rPr lang="en-IN" b="1" dirty="0">
-                <a:latin typeface="Courier New" panose="02070309020205020404" pitchFamily="49" charset="0"/>
-                <a:cs typeface="Courier New" panose="02070309020205020404" pitchFamily="49" charset="0"/>
-              </a:rPr>
-              <a:t>Input: [ 3.9362 10.1622 -3.8235 -4.0172]</a:t>
-            </a:r>
-          </a:p>
-          <a:p>
-            <a:pPr marL="0" indent="0">
-              <a:buNone/>
-            </a:pPr>
-            <a:r>
-              <a:rPr lang="en-IN" b="1" dirty="0">
-                <a:latin typeface="Courier New" panose="02070309020205020404" pitchFamily="49" charset="0"/>
-                <a:cs typeface="Courier New" panose="02070309020205020404" pitchFamily="49" charset="0"/>
-              </a:rPr>
-              <a:t>Output: [0.00860221]</a:t>
-            </a:r>
-          </a:p>
-        </p:txBody>
-      </p:sp>
-    </p:spTree>
-    <p:extLst>
-      <p:ext uri="{BB962C8B-B14F-4D97-AF65-F5344CB8AC3E}">
-        <p14:creationId xmlns:p14="http://schemas.microsoft.com/office/powerpoint/2010/main" val="4228884601"/>
       </p:ext>
     </p:extLst>
   </p:cSld>
@@ -4980,42 +4591,480 @@
           <a:chExt cx="0" cy="0"/>
         </a:xfrm>
       </p:grpSpPr>
-      <p:pic>
-        <p:nvPicPr>
-          <p:cNvPr id="4" name="Content Placeholder 3">
-            <a:extLst>
-              <a:ext uri="{FF2B5EF4-FFF2-40B4-BE49-F238E27FC236}">
-                <a16:creationId xmlns:a16="http://schemas.microsoft.com/office/drawing/2014/main" id="{B187E53E-A018-45FA-8E48-A052C038B88C}"/>
-              </a:ext>
-            </a:extLst>
-          </p:cNvPr>
-          <p:cNvPicPr>
-            <a:picLocks noGrp="1" noChangeAspect="1"/>
-          </p:cNvPicPr>
-          <p:nvPr>
-            <p:ph idx="1"/>
-          </p:nvPr>
-        </p:nvPicPr>
-        <p:blipFill>
-          <a:blip r:embed="rId2"/>
-          <a:stretch>
-            <a:fillRect/>
-          </a:stretch>
-        </p:blipFill>
+      <p:sp>
+        <p:nvSpPr>
+          <p:cNvPr id="2" name="Title 1">
+            <a:extLst>
+              <a:ext uri="{FF2B5EF4-FFF2-40B4-BE49-F238E27FC236}">
+                <a16:creationId xmlns:a16="http://schemas.microsoft.com/office/drawing/2014/main" id="{E3FAFFFF-D1B3-F64D-A375-6A2C3E6FC546}"/>
+              </a:ext>
+            </a:extLst>
+          </p:cNvPr>
+          <p:cNvSpPr>
+            <a:spLocks noGrp="1"/>
+          </p:cNvSpPr>
+          <p:nvPr>
+            <p:ph type="title"/>
+          </p:nvPr>
+        </p:nvSpPr>
         <p:spPr>
           <a:xfrm>
-            <a:off x="2750033" y="516834"/>
-            <a:ext cx="6232587" cy="5479740"/>
+            <a:off x="838200" y="365126"/>
+            <a:ext cx="10515600" cy="723936"/>
           </a:xfrm>
-          <a:prstGeom prst="rect">
-            <a:avLst/>
-          </a:prstGeom>
         </p:spPr>
-      </p:pic>
+        <p:txBody>
+          <a:bodyPr/>
+          <a:lstStyle/>
+          <a:p>
+            <a:r>
+              <a:rPr lang="en-US" dirty="0"/>
+              <a:t>Working Output</a:t>
+            </a:r>
+          </a:p>
+        </p:txBody>
+      </p:sp>
+      <p:sp>
+        <p:nvSpPr>
+          <p:cNvPr id="3" name="Content Placeholder 2">
+            <a:extLst>
+              <a:ext uri="{FF2B5EF4-FFF2-40B4-BE49-F238E27FC236}">
+                <a16:creationId xmlns:a16="http://schemas.microsoft.com/office/drawing/2014/main" id="{EB15CD3F-2D67-E94D-9EF6-C67B8CFC0E05}"/>
+              </a:ext>
+            </a:extLst>
+          </p:cNvPr>
+          <p:cNvSpPr>
+            <a:spLocks noGrp="1"/>
+          </p:cNvSpPr>
+          <p:nvPr>
+            <p:ph idx="1"/>
+          </p:nvPr>
+        </p:nvSpPr>
+        <p:spPr>
+          <a:xfrm>
+            <a:off x="838200" y="1383838"/>
+            <a:ext cx="10515600" cy="4351338"/>
+          </a:xfrm>
+        </p:spPr>
+        <p:txBody>
+          <a:bodyPr numCol="2">
+            <a:normAutofit fontScale="32500" lnSpcReduction="20000"/>
+          </a:bodyPr>
+          <a:lstStyle/>
+          <a:p>
+            <a:pPr marL="0" indent="0">
+              <a:buNone/>
+            </a:pPr>
+            <a:br>
+              <a:rPr lang="en-IN" b="1" dirty="0">
+                <a:latin typeface="Courier New" panose="02070309020205020404" pitchFamily="49" charset="0"/>
+                <a:cs typeface="Courier New" panose="02070309020205020404" pitchFamily="49" charset="0"/>
+              </a:rPr>
+            </a:br>
+            <a:r>
+              <a:rPr lang="en-IN" b="1" dirty="0">
+                <a:latin typeface="Courier New" panose="02070309020205020404" pitchFamily="49" charset="0"/>
+                <a:cs typeface="Courier New" panose="02070309020205020404" pitchFamily="49" charset="0"/>
+              </a:rPr>
+              <a:t>--- output ---</a:t>
+            </a:r>
+          </a:p>
+          <a:p>
+            <a:pPr marL="0" indent="0">
+              <a:buNone/>
+            </a:pPr>
+            <a:r>
+              <a:rPr lang="en-IN" b="1" dirty="0">
+                <a:latin typeface="Courier New" panose="02070309020205020404" pitchFamily="49" charset="0"/>
+                <a:cs typeface="Courier New" panose="02070309020205020404" pitchFamily="49" charset="0"/>
+              </a:rPr>
+              <a:t># python3 main-4i-1h-1o.py</a:t>
+            </a:r>
+          </a:p>
+          <a:p>
+            <a:pPr marL="0" indent="0">
+              <a:buNone/>
+            </a:pPr>
+            <a:br>
+              <a:rPr lang="en-IN" b="1" dirty="0">
+                <a:latin typeface="Courier New" panose="02070309020205020404" pitchFamily="49" charset="0"/>
+                <a:cs typeface="Courier New" panose="02070309020205020404" pitchFamily="49" charset="0"/>
+              </a:rPr>
+            </a:br>
+            <a:r>
+              <a:rPr lang="en-IN" b="1" dirty="0">
+                <a:latin typeface="Courier New" panose="02070309020205020404" pitchFamily="49" charset="0"/>
+                <a:cs typeface="Courier New" panose="02070309020205020404" pitchFamily="49" charset="0"/>
+              </a:rPr>
+              <a:t>Stage 1) Random starting weights:</a:t>
+            </a:r>
+          </a:p>
+          <a:p>
+            <a:pPr marL="0" indent="0">
+              <a:buNone/>
+            </a:pPr>
+            <a:r>
+              <a:rPr lang="en-IN" b="1" dirty="0">
+                <a:latin typeface="Courier New" panose="02070309020205020404" pitchFamily="49" charset="0"/>
+                <a:cs typeface="Courier New" panose="02070309020205020404" pitchFamily="49" charset="0"/>
+              </a:rPr>
+              <a:t># Layer 1 (4 neurons, each with 4 inputs):</a:t>
+            </a:r>
+          </a:p>
+          <a:p>
+            <a:pPr marL="0" indent="0">
+              <a:buNone/>
+            </a:pPr>
+            <a:r>
+              <a:rPr lang="en-IN" b="1" dirty="0">
+                <a:latin typeface="Courier New" panose="02070309020205020404" pitchFamily="49" charset="0"/>
+                <a:cs typeface="Courier New" panose="02070309020205020404" pitchFamily="49" charset="0"/>
+              </a:rPr>
+              <a:t>[[4.17022005e-01 7.20324493e-01 1.14374817e-04 3.02332573e-01]</a:t>
+            </a:r>
+          </a:p>
+          <a:p>
+            <a:pPr marL="0" indent="0">
+              <a:buNone/>
+            </a:pPr>
+            <a:r>
+              <a:rPr lang="en-IN" b="1" dirty="0">
+                <a:latin typeface="Courier New" panose="02070309020205020404" pitchFamily="49" charset="0"/>
+                <a:cs typeface="Courier New" panose="02070309020205020404" pitchFamily="49" charset="0"/>
+              </a:rPr>
+              <a:t> [1.46755891e-01 9.23385948e-02 1.86260211e-01 3.45560727e-01]</a:t>
+            </a:r>
+          </a:p>
+          <a:p>
+            <a:pPr marL="0" indent="0">
+              <a:buNone/>
+            </a:pPr>
+            <a:r>
+              <a:rPr lang="en-IN" b="1" dirty="0">
+                <a:latin typeface="Courier New" panose="02070309020205020404" pitchFamily="49" charset="0"/>
+                <a:cs typeface="Courier New" panose="02070309020205020404" pitchFamily="49" charset="0"/>
+              </a:rPr>
+              <a:t> [3.96767474e-01 5.38816734e-01 4.19194514e-01 6.85219500e-01]</a:t>
+            </a:r>
+          </a:p>
+          <a:p>
+            <a:pPr marL="0" indent="0">
+              <a:buNone/>
+            </a:pPr>
+            <a:r>
+              <a:rPr lang="en-IN" b="1" dirty="0">
+                <a:latin typeface="Courier New" panose="02070309020205020404" pitchFamily="49" charset="0"/>
+                <a:cs typeface="Courier New" panose="02070309020205020404" pitchFamily="49" charset="0"/>
+              </a:rPr>
+              <a:t> [2.04452250e-01 8.78117436e-01 2.73875932e-02 6.70467510e-01]]</a:t>
+            </a:r>
+          </a:p>
+          <a:p>
+            <a:pPr marL="0" indent="0">
+              <a:buNone/>
+            </a:pPr>
+            <a:r>
+              <a:rPr lang="en-IN" b="1" dirty="0">
+                <a:latin typeface="Courier New" panose="02070309020205020404" pitchFamily="49" charset="0"/>
+                <a:cs typeface="Courier New" panose="02070309020205020404" pitchFamily="49" charset="0"/>
+              </a:rPr>
+              <a:t># Layer 2 (1 neuron, with 4 inputs):</a:t>
+            </a:r>
+          </a:p>
+          <a:p>
+            <a:pPr marL="0" indent="0">
+              <a:buNone/>
+            </a:pPr>
+            <a:r>
+              <a:rPr lang="en-IN" b="1" dirty="0">
+                <a:latin typeface="Courier New" panose="02070309020205020404" pitchFamily="49" charset="0"/>
+                <a:cs typeface="Courier New" panose="02070309020205020404" pitchFamily="49" charset="0"/>
+              </a:rPr>
+              <a:t>[[0.4173048 ]</a:t>
+            </a:r>
+          </a:p>
+          <a:p>
+            <a:pPr marL="0" indent="0">
+              <a:buNone/>
+            </a:pPr>
+            <a:r>
+              <a:rPr lang="en-IN" b="1" dirty="0">
+                <a:latin typeface="Courier New" panose="02070309020205020404" pitchFamily="49" charset="0"/>
+                <a:cs typeface="Courier New" panose="02070309020205020404" pitchFamily="49" charset="0"/>
+              </a:rPr>
+              <a:t> [0.55868983]</a:t>
+            </a:r>
+          </a:p>
+          <a:p>
+            <a:pPr marL="0" indent="0">
+              <a:buNone/>
+            </a:pPr>
+            <a:r>
+              <a:rPr lang="en-IN" b="1" dirty="0">
+                <a:latin typeface="Courier New" panose="02070309020205020404" pitchFamily="49" charset="0"/>
+                <a:cs typeface="Courier New" panose="02070309020205020404" pitchFamily="49" charset="0"/>
+              </a:rPr>
+              <a:t> [0.14038694]</a:t>
+            </a:r>
+          </a:p>
+          <a:p>
+            <a:pPr marL="0" indent="0">
+              <a:buNone/>
+            </a:pPr>
+            <a:r>
+              <a:rPr lang="en-IN" b="1" dirty="0">
+                <a:latin typeface="Courier New" panose="02070309020205020404" pitchFamily="49" charset="0"/>
+                <a:cs typeface="Courier New" panose="02070309020205020404" pitchFamily="49" charset="0"/>
+              </a:rPr>
+              <a:t> [0.19810149]]</a:t>
+            </a:r>
+          </a:p>
+          <a:p>
+            <a:pPr marL="0" indent="0">
+              <a:buNone/>
+            </a:pPr>
+            <a:br>
+              <a:rPr lang="en-IN" b="1" dirty="0">
+                <a:latin typeface="Courier New" panose="02070309020205020404" pitchFamily="49" charset="0"/>
+                <a:cs typeface="Courier New" panose="02070309020205020404" pitchFamily="49" charset="0"/>
+              </a:rPr>
+            </a:br>
+            <a:r>
+              <a:rPr lang="en-IN" b="1" dirty="0">
+                <a:latin typeface="Courier New" panose="02070309020205020404" pitchFamily="49" charset="0"/>
+                <a:cs typeface="Courier New" panose="02070309020205020404" pitchFamily="49" charset="0"/>
+              </a:rPr>
+              <a:t>Stage 2) New weights after training:</a:t>
+            </a:r>
+          </a:p>
+          <a:p>
+            <a:pPr marL="0" indent="0">
+              <a:buNone/>
+            </a:pPr>
+            <a:r>
+              <a:rPr lang="en-IN" b="1" dirty="0">
+                <a:latin typeface="Courier New" panose="02070309020205020404" pitchFamily="49" charset="0"/>
+                <a:cs typeface="Courier New" panose="02070309020205020404" pitchFamily="49" charset="0"/>
+              </a:rPr>
+              <a:t># Layer 1 (4 neurons, each with 4 inputs):</a:t>
+            </a:r>
+          </a:p>
+          <a:p>
+            <a:pPr marL="0" indent="0">
+              <a:buNone/>
+            </a:pPr>
+            <a:r>
+              <a:rPr lang="en-IN" b="1" dirty="0">
+                <a:latin typeface="Courier New" panose="02070309020205020404" pitchFamily="49" charset="0"/>
+                <a:cs typeface="Courier New" panose="02070309020205020404" pitchFamily="49" charset="0"/>
+              </a:rPr>
+              <a:t>[[-0.80882082  0.44127317 -1.95958137  2.30771812]</a:t>
+            </a:r>
+          </a:p>
+          <a:p>
+            <a:pPr marL="0" indent="0">
+              <a:buNone/>
+            </a:pPr>
+            <a:r>
+              <a:rPr lang="en-IN" b="1" dirty="0">
+                <a:latin typeface="Courier New" panose="02070309020205020404" pitchFamily="49" charset="0"/>
+                <a:cs typeface="Courier New" panose="02070309020205020404" pitchFamily="49" charset="0"/>
+              </a:rPr>
+              <a:t> [ 0.20107878 -0.26749924  0.34160953 -0.19752144]</a:t>
+            </a:r>
+          </a:p>
+          <a:p>
+            <a:pPr marL="0" indent="0">
+              <a:buNone/>
+            </a:pPr>
+            <a:r>
+              <a:rPr lang="en-IN" b="1" dirty="0">
+                <a:latin typeface="Courier New" panose="02070309020205020404" pitchFamily="49" charset="0"/>
+                <a:cs typeface="Courier New" panose="02070309020205020404" pitchFamily="49" charset="0"/>
+              </a:rPr>
+              <a:t> [ 0.17624295  0.71150346 -0.08378137  0.32611257]</a:t>
+            </a:r>
+          </a:p>
+          <a:p>
+            <a:pPr marL="0" indent="0">
+              <a:buNone/>
+            </a:pPr>
+            <a:r>
+              <a:rPr lang="en-IN" b="1" dirty="0">
+                <a:latin typeface="Courier New" panose="02070309020205020404" pitchFamily="49" charset="0"/>
+                <a:cs typeface="Courier New" panose="02070309020205020404" pitchFamily="49" charset="0"/>
+              </a:rPr>
+              <a:t> [ 0.29950621  0.95467863  0.59970368 -0.03013834]]</a:t>
+            </a:r>
+          </a:p>
+          <a:p>
+            <a:pPr marL="0" indent="0">
+              <a:buNone/>
+            </a:pPr>
+            <a:r>
+              <a:rPr lang="en-IN" b="1" dirty="0">
+                <a:latin typeface="Courier New" panose="02070309020205020404" pitchFamily="49" charset="0"/>
+                <a:cs typeface="Courier New" panose="02070309020205020404" pitchFamily="49" charset="0"/>
+              </a:rPr>
+              <a:t># Layer 2 (1 neuron, with 4 inputs):</a:t>
+            </a:r>
+          </a:p>
+          <a:p>
+            <a:pPr marL="0" indent="0">
+              <a:buNone/>
+            </a:pPr>
+            <a:r>
+              <a:rPr lang="en-IN" b="1" dirty="0">
+                <a:latin typeface="Courier New" panose="02070309020205020404" pitchFamily="49" charset="0"/>
+                <a:cs typeface="Courier New" panose="02070309020205020404" pitchFamily="49" charset="0"/>
+              </a:rPr>
+              <a:t>[[ 1.07345495]</a:t>
+            </a:r>
+          </a:p>
+          <a:p>
+            <a:pPr marL="0" indent="0">
+              <a:buNone/>
+            </a:pPr>
+            <a:r>
+              <a:rPr lang="en-IN" b="1" dirty="0">
+                <a:latin typeface="Courier New" panose="02070309020205020404" pitchFamily="49" charset="0"/>
+                <a:cs typeface="Courier New" panose="02070309020205020404" pitchFamily="49" charset="0"/>
+              </a:rPr>
+              <a:t> [-0.16503406]</a:t>
+            </a:r>
+          </a:p>
+          <a:p>
+            <a:pPr marL="0" indent="0">
+              <a:buNone/>
+            </a:pPr>
+            <a:r>
+              <a:rPr lang="en-IN" b="1" dirty="0">
+                <a:latin typeface="Courier New" panose="02070309020205020404" pitchFamily="49" charset="0"/>
+                <a:cs typeface="Courier New" panose="02070309020205020404" pitchFamily="49" charset="0"/>
+              </a:rPr>
+              <a:t> [ 3.97252318]</a:t>
+            </a:r>
+          </a:p>
+          <a:p>
+            <a:pPr marL="0" indent="0">
+              <a:buNone/>
+            </a:pPr>
+            <a:r>
+              <a:rPr lang="en-IN" b="1" dirty="0">
+                <a:latin typeface="Courier New" panose="02070309020205020404" pitchFamily="49" charset="0"/>
+                <a:cs typeface="Courier New" panose="02070309020205020404" pitchFamily="49" charset="0"/>
+              </a:rPr>
+              <a:t> [-4.81665941]]</a:t>
+            </a:r>
+          </a:p>
+          <a:p>
+            <a:pPr marL="0" indent="0">
+              <a:buNone/>
+            </a:pPr>
+            <a:br>
+              <a:rPr lang="en-IN" b="1" dirty="0">
+                <a:latin typeface="Courier New" panose="02070309020205020404" pitchFamily="49" charset="0"/>
+                <a:cs typeface="Courier New" panose="02070309020205020404" pitchFamily="49" charset="0"/>
+              </a:rPr>
+            </a:br>
+            <a:endParaRPr lang="en-IN" b="1" dirty="0">
+              <a:latin typeface="Courier New" panose="02070309020205020404" pitchFamily="49" charset="0"/>
+              <a:cs typeface="Courier New" panose="02070309020205020404" pitchFamily="49" charset="0"/>
+            </a:endParaRPr>
+          </a:p>
+          <a:p>
+            <a:pPr marL="0" indent="0">
+              <a:buNone/>
+            </a:pPr>
+            <a:r>
+              <a:rPr lang="en-IN" b="1" dirty="0">
+                <a:latin typeface="Courier New" panose="02070309020205020404" pitchFamily="49" charset="0"/>
+                <a:cs typeface="Courier New" panose="02070309020205020404" pitchFamily="49" charset="0"/>
+              </a:rPr>
+              <a:t>Testing: Expectation O = [1]</a:t>
+            </a:r>
+          </a:p>
+          <a:p>
+            <a:pPr marL="0" indent="0">
+              <a:buNone/>
+            </a:pPr>
+            <a:r>
+              <a:rPr lang="en-IN" b="1" dirty="0">
+                <a:latin typeface="Courier New" panose="02070309020205020404" pitchFamily="49" charset="0"/>
+                <a:cs typeface="Courier New" panose="02070309020205020404" pitchFamily="49" charset="0"/>
+              </a:rPr>
+              <a:t>Input: [-2.4941  3.5447 -1.3721 -2.8483]</a:t>
+            </a:r>
+          </a:p>
+          <a:p>
+            <a:pPr marL="0" indent="0">
+              <a:buNone/>
+            </a:pPr>
+            <a:r>
+              <a:rPr lang="en-IN" b="1" dirty="0">
+                <a:latin typeface="Courier New" panose="02070309020205020404" pitchFamily="49" charset="0"/>
+                <a:cs typeface="Courier New" panose="02070309020205020404" pitchFamily="49" charset="0"/>
+              </a:rPr>
+              <a:t>Output: [0.99201085]</a:t>
+            </a:r>
+          </a:p>
+          <a:p>
+            <a:pPr marL="0" indent="0">
+              <a:buNone/>
+            </a:pPr>
+            <a:br>
+              <a:rPr lang="en-IN" b="1" dirty="0">
+                <a:latin typeface="Courier New" panose="02070309020205020404" pitchFamily="49" charset="0"/>
+                <a:cs typeface="Courier New" panose="02070309020205020404" pitchFamily="49" charset="0"/>
+              </a:rPr>
+            </a:br>
+            <a:endParaRPr lang="en-IN" b="1" dirty="0">
+              <a:latin typeface="Courier New" panose="02070309020205020404" pitchFamily="49" charset="0"/>
+              <a:cs typeface="Courier New" panose="02070309020205020404" pitchFamily="49" charset="0"/>
+            </a:endParaRPr>
+          </a:p>
+          <a:p>
+            <a:pPr marL="0" indent="0">
+              <a:buNone/>
+            </a:pPr>
+            <a:r>
+              <a:rPr lang="en-IN" b="1" dirty="0">
+                <a:latin typeface="Courier New" panose="02070309020205020404" pitchFamily="49" charset="0"/>
+                <a:cs typeface="Courier New" panose="02070309020205020404" pitchFamily="49" charset="0"/>
+              </a:rPr>
+              <a:t>Testing: Expectation O = [0]</a:t>
+            </a:r>
+          </a:p>
+          <a:p>
+            <a:pPr marL="0" indent="0">
+              <a:buNone/>
+            </a:pPr>
+            <a:r>
+              <a:rPr lang="en-IN" b="1" dirty="0">
+                <a:latin typeface="Courier New" panose="02070309020205020404" pitchFamily="49" charset="0"/>
+                <a:cs typeface="Courier New" panose="02070309020205020404" pitchFamily="49" charset="0"/>
+              </a:rPr>
+              <a:t>Input: [ 3.9362 10.1622 -3.8235 -4.0172]</a:t>
+            </a:r>
+          </a:p>
+          <a:p>
+            <a:pPr marL="0" indent="0">
+              <a:buNone/>
+            </a:pPr>
+            <a:r>
+              <a:rPr lang="en-IN" b="1" dirty="0">
+                <a:latin typeface="Courier New" panose="02070309020205020404" pitchFamily="49" charset="0"/>
+                <a:cs typeface="Courier New" panose="02070309020205020404" pitchFamily="49" charset="0"/>
+              </a:rPr>
+              <a:t>Output: [0.00860221]</a:t>
+            </a:r>
+          </a:p>
+        </p:txBody>
+      </p:sp>
     </p:spTree>
     <p:extLst>
       <p:ext uri="{BB962C8B-B14F-4D97-AF65-F5344CB8AC3E}">
-        <p14:creationId xmlns:p14="http://schemas.microsoft.com/office/powerpoint/2010/main" val="3187363755"/>
+        <p14:creationId xmlns:p14="http://schemas.microsoft.com/office/powerpoint/2010/main" val="4228884601"/>
       </p:ext>
     </p:extLst>
   </p:cSld>
@@ -5042,76 +5091,6 @@
           <a:chExt cx="0" cy="0"/>
         </a:xfrm>
       </p:grpSpPr>
-      <p:sp>
-        <p:nvSpPr>
-          <p:cNvPr id="2" name="Title 1">
-            <a:extLst>
-              <a:ext uri="{FF2B5EF4-FFF2-40B4-BE49-F238E27FC236}">
-                <a16:creationId xmlns:a16="http://schemas.microsoft.com/office/drawing/2014/main" id="{DE1697C1-4B01-4A4D-BECC-AB0A4E852134}"/>
-              </a:ext>
-            </a:extLst>
-          </p:cNvPr>
-          <p:cNvSpPr>
-            <a:spLocks noGrp="1"/>
-          </p:cNvSpPr>
-          <p:nvPr>
-            <p:ph type="title"/>
-          </p:nvPr>
-        </p:nvSpPr>
-        <p:spPr>
-          <a:xfrm>
-            <a:off x="1222513" y="2392708"/>
-            <a:ext cx="10515600" cy="1325563"/>
-          </a:xfrm>
-        </p:spPr>
-        <p:txBody>
-          <a:bodyPr/>
-          <a:lstStyle/>
-          <a:p>
-            <a:r>
-              <a:rPr lang="en-IN" dirty="0"/>
-              <a:t>Visualization comparison of </a:t>
-            </a:r>
-            <a:br>
-              <a:rPr lang="en-IN" dirty="0"/>
-            </a:br>
-            <a:r>
-              <a:rPr lang="en-IN" dirty="0"/>
-              <a:t>Input and Output of trained model</a:t>
-            </a:r>
-          </a:p>
-        </p:txBody>
-      </p:sp>
-    </p:spTree>
-    <p:extLst>
-      <p:ext uri="{BB962C8B-B14F-4D97-AF65-F5344CB8AC3E}">
-        <p14:creationId xmlns:p14="http://schemas.microsoft.com/office/powerpoint/2010/main" val="2787021570"/>
-      </p:ext>
-    </p:extLst>
-  </p:cSld>
-  <p:clrMapOvr>
-    <a:masterClrMapping/>
-  </p:clrMapOvr>
-</p:sld>
-</file>
-
-<file path=ppt/slides/slide7.xml><?xml version="1.0" encoding="utf-8"?>
-<p:sld xmlns:a="http://schemas.openxmlformats.org/drawingml/2006/main" xmlns:r="http://schemas.openxmlformats.org/officeDocument/2006/relationships" xmlns:p="http://schemas.openxmlformats.org/presentationml/2006/main">
-  <p:cSld>
-    <p:spTree>
-      <p:nvGrpSpPr>
-        <p:cNvPr id="1" name=""/>
-        <p:cNvGrpSpPr/>
-        <p:nvPr/>
-      </p:nvGrpSpPr>
-      <p:grpSpPr>
-        <a:xfrm>
-          <a:off x="0" y="0"/>
-          <a:ext cx="0" cy="0"/>
-          <a:chOff x="0" y="0"/>
-          <a:chExt cx="0" cy="0"/>
-        </a:xfrm>
-      </p:grpSpPr>
       <p:pic>
         <p:nvPicPr>
           <p:cNvPr id="4" name="Content Placeholder 3">
@@ -5136,8 +5115,8 @@
         </p:blipFill>
         <p:spPr>
           <a:xfrm>
-            <a:off x="2181431" y="3565249"/>
-            <a:ext cx="10506075" cy="3743325"/>
+            <a:off x="2476077" y="3564212"/>
+            <a:ext cx="9677178" cy="3156203"/>
           </a:xfrm>
           <a:prstGeom prst="rect">
             <a:avLst/>
@@ -5165,8 +5144,8 @@
         </p:blipFill>
         <p:spPr>
           <a:xfrm>
-            <a:off x="-212035" y="-119269"/>
-            <a:ext cx="8480164" cy="4002158"/>
+            <a:off x="-88746" y="486903"/>
+            <a:ext cx="7208738" cy="3402117"/>
           </a:xfrm>
           <a:prstGeom prst="rect">
             <a:avLst/>
@@ -5352,6 +5331,61 @@
           <a:p>
             <a:pPr algn="ctr"/>
             <a:endParaRPr lang="en-IN"/>
+          </a:p>
+        </p:txBody>
+      </p:sp>
+      <p:sp>
+        <p:nvSpPr>
+          <p:cNvPr id="11" name="Title 1">
+            <a:extLst>
+              <a:ext uri="{FF2B5EF4-FFF2-40B4-BE49-F238E27FC236}">
+                <a16:creationId xmlns:a16="http://schemas.microsoft.com/office/drawing/2014/main" id="{148BFB4B-9CE2-5948-A79C-56B4ECFE6C6D}"/>
+              </a:ext>
+            </a:extLst>
+          </p:cNvPr>
+          <p:cNvSpPr txBox="1">
+            <a:spLocks/>
+          </p:cNvSpPr>
+          <p:nvPr/>
+        </p:nvSpPr>
+        <p:spPr>
+          <a:xfrm>
+            <a:off x="838200" y="-45835"/>
+            <a:ext cx="10515600" cy="556593"/>
+          </a:xfrm>
+          <a:prstGeom prst="rect">
+            <a:avLst/>
+          </a:prstGeom>
+        </p:spPr>
+        <p:txBody>
+          <a:bodyPr vert="horz" lIns="91440" tIns="45720" rIns="91440" bIns="45720" rtlCol="0" anchor="ctr">
+            <a:normAutofit/>
+          </a:bodyPr>
+          <a:lstStyle>
+            <a:lvl1pPr algn="l" defTabSz="914400" rtl="0" eaLnBrk="1" latinLnBrk="0" hangingPunct="1">
+              <a:lnSpc>
+                <a:spcPct val="90000"/>
+              </a:lnSpc>
+              <a:spcBef>
+                <a:spcPct val="0"/>
+              </a:spcBef>
+              <a:buNone/>
+              <a:defRPr sz="4400" kern="1200">
+                <a:solidFill>
+                  <a:schemeClr val="tx1"/>
+                </a:solidFill>
+                <a:latin typeface="+mj-lt"/>
+                <a:ea typeface="+mj-ea"/>
+                <a:cs typeface="+mj-cs"/>
+              </a:defRPr>
+            </a:lvl1pPr>
+          </a:lstStyle>
+          <a:p>
+            <a:r>
+              <a:rPr lang="en-IN" sz="3200" dirty="0"/>
+              <a:t>Visualization Comparison with Input and Output</a:t>
+            </a:r>
+            <a:endParaRPr lang="en-US" sz="3200" dirty="0"/>
           </a:p>
         </p:txBody>
       </p:sp>

--- a/ANN Presentation.pptx
+++ b/ANN Presentation.pptx
@@ -5,12 +5,13 @@
     <p:sldMasterId id="2147483648" r:id="rId1"/>
   </p:sldMasterIdLst>
   <p:sldIdLst>
-    <p:sldId id="263" r:id="rId2"/>
-    <p:sldId id="265" r:id="rId3"/>
-    <p:sldId id="257" r:id="rId4"/>
-    <p:sldId id="256" r:id="rId5"/>
-    <p:sldId id="264" r:id="rId6"/>
-    <p:sldId id="259" r:id="rId7"/>
+    <p:sldId id="266" r:id="rId2"/>
+    <p:sldId id="263" r:id="rId3"/>
+    <p:sldId id="265" r:id="rId4"/>
+    <p:sldId id="257" r:id="rId5"/>
+    <p:sldId id="256" r:id="rId6"/>
+    <p:sldId id="264" r:id="rId7"/>
+    <p:sldId id="259" r:id="rId8"/>
   </p:sldIdLst>
   <p:sldSz cx="12192000" cy="6858000"/>
   <p:notesSz cx="6858000" cy="9144000"/>
@@ -3357,6 +3358,129 @@
           <p:cNvPr id="2" name="Title 1">
             <a:extLst>
               <a:ext uri="{FF2B5EF4-FFF2-40B4-BE49-F238E27FC236}">
+                <a16:creationId xmlns:a16="http://schemas.microsoft.com/office/drawing/2014/main" id="{42A568A3-83C0-9A4F-8CAA-2A166391D4F9}"/>
+              </a:ext>
+            </a:extLst>
+          </p:cNvPr>
+          <p:cNvSpPr>
+            <a:spLocks noGrp="1"/>
+          </p:cNvSpPr>
+          <p:nvPr>
+            <p:ph type="ctrTitle"/>
+          </p:nvPr>
+        </p:nvSpPr>
+        <p:spPr>
+          <a:xfrm>
+            <a:off x="1524000" y="1122363"/>
+            <a:ext cx="9144000" cy="1220145"/>
+          </a:xfrm>
+        </p:spPr>
+        <p:txBody>
+          <a:bodyPr/>
+          <a:lstStyle/>
+          <a:p>
+            <a:r>
+              <a:rPr lang="en-IN" dirty="0"/>
+              <a:t>Multi Layer Neural Network</a:t>
+            </a:r>
+            <a:endParaRPr lang="en-US" dirty="0"/>
+          </a:p>
+        </p:txBody>
+      </p:sp>
+      <p:sp>
+        <p:nvSpPr>
+          <p:cNvPr id="3" name="Subtitle 2">
+            <a:extLst>
+              <a:ext uri="{FF2B5EF4-FFF2-40B4-BE49-F238E27FC236}">
+                <a16:creationId xmlns:a16="http://schemas.microsoft.com/office/drawing/2014/main" id="{9397A321-F72A-0F4A-91F1-7E5BF39F5918}"/>
+              </a:ext>
+            </a:extLst>
+          </p:cNvPr>
+          <p:cNvSpPr>
+            <a:spLocks noGrp="1"/>
+          </p:cNvSpPr>
+          <p:nvPr>
+            <p:ph type="subTitle" idx="1"/>
+          </p:nvPr>
+        </p:nvSpPr>
+        <p:spPr>
+          <a:xfrm>
+            <a:off x="1880172" y="2989780"/>
+            <a:ext cx="8787828" cy="2268020"/>
+          </a:xfrm>
+        </p:spPr>
+        <p:txBody>
+          <a:bodyPr/>
+          <a:lstStyle/>
+          <a:p>
+            <a:pPr algn="l"/>
+            <a:r>
+              <a:rPr lang="en-US" dirty="0"/>
+              <a:t>Prasenjit Manna</a:t>
+            </a:r>
+          </a:p>
+          <a:p>
+            <a:pPr algn="l"/>
+            <a:r>
+              <a:rPr lang="en-US" dirty="0" err="1"/>
+              <a:t>Trupthi</a:t>
+            </a:r>
+            <a:r>
+              <a:rPr lang="en-US" dirty="0"/>
+              <a:t> D</a:t>
+            </a:r>
+          </a:p>
+          <a:p>
+            <a:pPr algn="l"/>
+            <a:r>
+              <a:rPr lang="en-US" dirty="0"/>
+              <a:t>Mamatha B K</a:t>
+            </a:r>
+          </a:p>
+          <a:p>
+            <a:pPr algn="l"/>
+            <a:r>
+              <a:rPr lang="en-US" dirty="0"/>
+              <a:t>Saurabh Singh </a:t>
+            </a:r>
+          </a:p>
+        </p:txBody>
+      </p:sp>
+    </p:spTree>
+    <p:extLst>
+      <p:ext uri="{BB962C8B-B14F-4D97-AF65-F5344CB8AC3E}">
+        <p14:creationId xmlns:p14="http://schemas.microsoft.com/office/powerpoint/2010/main" val="3653595749"/>
+      </p:ext>
+    </p:extLst>
+  </p:cSld>
+  <p:clrMapOvr>
+    <a:masterClrMapping/>
+  </p:clrMapOvr>
+</p:sld>
+</file>
+
+<file path=ppt/slides/slide2.xml><?xml version="1.0" encoding="utf-8"?>
+<p:sld xmlns:a="http://schemas.openxmlformats.org/drawingml/2006/main" xmlns:r="http://schemas.openxmlformats.org/officeDocument/2006/relationships" xmlns:p="http://schemas.openxmlformats.org/presentationml/2006/main">
+  <p:cSld>
+    <p:spTree>
+      <p:nvGrpSpPr>
+        <p:cNvPr id="1" name=""/>
+        <p:cNvGrpSpPr/>
+        <p:nvPr/>
+      </p:nvGrpSpPr>
+      <p:grpSpPr>
+        <a:xfrm>
+          <a:off x="0" y="0"/>
+          <a:ext cx="0" cy="0"/>
+          <a:chOff x="0" y="0"/>
+          <a:chExt cx="0" cy="0"/>
+        </a:xfrm>
+      </p:grpSpPr>
+      <p:sp>
+        <p:nvSpPr>
+          <p:cNvPr id="2" name="Title 1">
+            <a:extLst>
+              <a:ext uri="{FF2B5EF4-FFF2-40B4-BE49-F238E27FC236}">
                 <a16:creationId xmlns:a16="http://schemas.microsoft.com/office/drawing/2014/main" id="{A7928FCF-4007-194E-84CF-D44F29F37E82}"/>
               </a:ext>
             </a:extLst>
@@ -3799,7 +3923,7 @@
 </p:sld>
 </file>
 
-<file path=ppt/slides/slide2.xml><?xml version="1.0" encoding="utf-8"?>
+<file path=ppt/slides/slide3.xml><?xml version="1.0" encoding="utf-8"?>
 <p:sld xmlns:a="http://schemas.openxmlformats.org/drawingml/2006/main" xmlns:r="http://schemas.openxmlformats.org/officeDocument/2006/relationships" xmlns:p="http://schemas.openxmlformats.org/presentationml/2006/main">
   <p:cSld>
     <p:spTree>
@@ -3898,7 +4022,7 @@
 </p:sld>
 </file>
 
-<file path=ppt/slides/slide3.xml><?xml version="1.0" encoding="utf-8"?>
+<file path=ppt/slides/slide4.xml><?xml version="1.0" encoding="utf-8"?>
 <p:sld xmlns:a="http://schemas.openxmlformats.org/drawingml/2006/main" xmlns:r="http://schemas.openxmlformats.org/officeDocument/2006/relationships" xmlns:p="http://schemas.openxmlformats.org/presentationml/2006/main">
   <p:cSld>
     <p:spTree>
@@ -4231,7 +4355,7 @@
 </p:sld>
 </file>
 
-<file path=ppt/slides/slide4.xml><?xml version="1.0" encoding="utf-8"?>
+<file path=ppt/slides/slide5.xml><?xml version="1.0" encoding="utf-8"?>
 <p:sld xmlns:a="http://schemas.openxmlformats.org/drawingml/2006/main" xmlns:r="http://schemas.openxmlformats.org/officeDocument/2006/relationships" xmlns:p="http://schemas.openxmlformats.org/presentationml/2006/main">
   <p:cSld>
     <p:spTree>
@@ -4574,7 +4698,7 @@
 </p:sld>
 </file>
 
-<file path=ppt/slides/slide5.xml><?xml version="1.0" encoding="utf-8"?>
+<file path=ppt/slides/slide6.xml><?xml version="1.0" encoding="utf-8"?>
 <p:sld xmlns:a="http://schemas.openxmlformats.org/drawingml/2006/main" xmlns:r="http://schemas.openxmlformats.org/officeDocument/2006/relationships" xmlns:p="http://schemas.openxmlformats.org/presentationml/2006/main">
   <p:cSld>
     <p:spTree>
@@ -5074,7 +5198,7 @@
 </p:sld>
 </file>
 
-<file path=ppt/slides/slide6.xml><?xml version="1.0" encoding="utf-8"?>
+<file path=ppt/slides/slide7.xml><?xml version="1.0" encoding="utf-8"?>
 <p:sld xmlns:a="http://schemas.openxmlformats.org/drawingml/2006/main" xmlns:r="http://schemas.openxmlformats.org/officeDocument/2006/relationships" xmlns:p="http://schemas.openxmlformats.org/presentationml/2006/main">
   <p:cSld>
     <p:spTree>
